--- a/Lending Club Case Study - Nimish MS - Anuja M.pptx
+++ b/Lending Club Case Study - Nimish MS - Anuja M.pptx
@@ -14089,7 +14089,7 @@
           <a:p>
             <a:r>
               <a:rPr lang="en-US" dirty="0"/>
-              <a:t>Annual Review</a:t>
+              <a:t>Lending club Case Study Team members: Nimish, Anuja</a:t>
             </a:r>
           </a:p>
         </p:txBody>
@@ -14397,7 +14397,7 @@
           <a:p>
             <a:r>
               <a:rPr lang="en-US" dirty="0"/>
-              <a:t>Annual Review</a:t>
+              <a:t>Lending club Case Study Team members: Nimish, Anuja</a:t>
             </a:r>
           </a:p>
         </p:txBody>
@@ -17047,7 +17047,7 @@
           <a:p>
             <a:r>
               <a:rPr lang="en-US" dirty="0"/>
-              <a:t>Annual Review</a:t>
+              <a:t>Lending club Case Study Team members: Nimish, Anuja</a:t>
             </a:r>
           </a:p>
         </p:txBody>
@@ -17339,7 +17339,7 @@
           <a:p>
             <a:r>
               <a:rPr lang="en-US" dirty="0"/>
-              <a:t>Annual Review</a:t>
+              <a:t>Lending club Case Study Team members: Nimish, Anuja</a:t>
             </a:r>
           </a:p>
         </p:txBody>
@@ -18658,21 +18658,21 @@
 </file>
 
 <file path=customXml/item1.xml><?xml version="1.0" encoding="utf-8"?>
+<?mso-contentType ?>
+<FormTemplates xmlns="http://schemas.microsoft.com/sharepoint/v3/contenttype/forms">
+  <Display>DocumentLibraryForm</Display>
+  <Edit>DocumentLibraryForm</Edit>
+  <New>DocumentLibraryForm</New>
+</FormTemplates>
+</file>
+
+<file path=customXml/item2.xml><?xml version="1.0" encoding="utf-8"?>
 <p:properties xmlns:p="http://schemas.microsoft.com/office/2006/metadata/properties" xmlns:xsi="http://www.w3.org/2001/XMLSchema-instance" xmlns:pc="http://schemas.microsoft.com/office/infopath/2007/PartnerControls">
   <documentManagement>
     <Status xmlns="71af3243-3dd4-4a8d-8c0d-dd76da1f02a5">Not started</Status>
     <MediaServiceKeyPoints xmlns="71af3243-3dd4-4a8d-8c0d-dd76da1f02a5" xsi:nil="true"/>
   </documentManagement>
 </p:properties>
-</file>
-
-<file path=customXml/item2.xml><?xml version="1.0" encoding="utf-8"?>
-<?mso-contentType ?>
-<FormTemplates xmlns="http://schemas.microsoft.com/sharepoint/v3/contenttype/forms">
-  <Display>DocumentLibraryForm</Display>
-  <Edit>DocumentLibraryForm</Edit>
-  <New>DocumentLibraryForm</New>
-</FormTemplates>
 </file>
 
 <file path=customXml/item3.xml><?xml version="1.0" encoding="utf-8"?>
@@ -18897,19 +18897,19 @@
 </file>
 
 <file path=customXml/itemProps1.xml><?xml version="1.0" encoding="utf-8"?>
+<ds:datastoreItem xmlns:ds="http://schemas.openxmlformats.org/officeDocument/2006/customXml" ds:itemID="{1D20B6E4-879E-4E6C-BDE7-261540CD3765}">
+  <ds:schemaRefs>
+    <ds:schemaRef ds:uri="http://schemas.microsoft.com/sharepoint/v3/contenttype/forms"/>
+  </ds:schemaRefs>
+</ds:datastoreItem>
+</file>
+
+<file path=customXml/itemProps2.xml><?xml version="1.0" encoding="utf-8"?>
 <ds:datastoreItem xmlns:ds="http://schemas.openxmlformats.org/officeDocument/2006/customXml" ds:itemID="{09EC1AB0-9704-404D-B6D3-819D938AC55B}">
   <ds:schemaRefs>
     <ds:schemaRef ds:uri="http://schemas.microsoft.com/office/2006/metadata/properties"/>
     <ds:schemaRef ds:uri="http://schemas.microsoft.com/office/infopath/2007/PartnerControls"/>
     <ds:schemaRef ds:uri="71af3243-3dd4-4a8d-8c0d-dd76da1f02a5"/>
-  </ds:schemaRefs>
-</ds:datastoreItem>
-</file>
-
-<file path=customXml/itemProps2.xml><?xml version="1.0" encoding="utf-8"?>
-<ds:datastoreItem xmlns:ds="http://schemas.openxmlformats.org/officeDocument/2006/customXml" ds:itemID="{1D20B6E4-879E-4E6C-BDE7-261540CD3765}">
-  <ds:schemaRefs>
-    <ds:schemaRef ds:uri="http://schemas.microsoft.com/sharepoint/v3/contenttype/forms"/>
   </ds:schemaRefs>
 </ds:datastoreItem>
 </file>
